--- a/Slides:Documentation/Creating Shapes.pptx
+++ b/Slides:Documentation/Creating Shapes.pptx
@@ -13,6 +13,7 @@
     <p:sldId id="260" r:id="rId7"/>
     <p:sldId id="266" r:id="rId8"/>
     <p:sldId id="259" r:id="rId9"/>
+    <p:sldId id="267" r:id="rId10"/>
   </p:sldIdLst>
   <p:sldSz cx="12192000" cy="6858000"/>
   <p:notesSz cx="6858000" cy="9144000"/>
@@ -122,6 +123,7 @@
 <file path=ppt/revisionInfo.xml><?xml version="1.0" encoding="utf-8"?>
 <p1510:revInfo xmlns:a="http://schemas.openxmlformats.org/drawingml/2006/main" xmlns:r="http://schemas.openxmlformats.org/officeDocument/2006/relationships" xmlns:p1510="http://schemas.microsoft.com/office/powerpoint/2015/10/main">
   <p1510:revLst>
+    <p1510:client id="{6E4EA9EA-B617-D3B0-D8BF-29A9A65A053D}" v="8" dt="2023-03-04T21:09:21.317"/>
     <p1510:client id="{A99F4DEC-2EE4-7ACD-C896-59808B94E9DA}" v="869" dt="2023-03-04T20:54:00.786"/>
   </p1510:revLst>
 </p1510:revInfo>
@@ -5709,6 +5711,267 @@
 </p:sld>
 </file>
 
+<file path=ppt/slides/slide9.xml><?xml version="1.0" encoding="utf-8"?>
+<p:sld xmlns:a="http://schemas.openxmlformats.org/drawingml/2006/main" xmlns:r="http://schemas.openxmlformats.org/officeDocument/2006/relationships" xmlns:p="http://schemas.openxmlformats.org/presentationml/2006/main">
+  <p:cSld>
+    <p:bg>
+      <p:bgPr>
+        <a:solidFill>
+          <a:schemeClr val="bg1"/>
+        </a:solidFill>
+        <a:effectLst/>
+      </p:bgPr>
+    </p:bg>
+    <p:spTree>
+      <p:nvGrpSpPr>
+        <p:cNvPr id="1" name=""/>
+        <p:cNvGrpSpPr/>
+        <p:nvPr/>
+      </p:nvGrpSpPr>
+      <p:grpSpPr>
+        <a:xfrm>
+          <a:off x="0" y="0"/>
+          <a:ext cx="0" cy="0"/>
+          <a:chOff x="0" y="0"/>
+          <a:chExt cx="0" cy="0"/>
+        </a:xfrm>
+      </p:grpSpPr>
+      <p:sp>
+        <p:nvSpPr>
+          <p:cNvPr id="9" name="Rectangle 8">
+            <a:extLst>
+              <a:ext uri="{FF2B5EF4-FFF2-40B4-BE49-F238E27FC236}">
+                <a16:creationId xmlns:a16="http://schemas.microsoft.com/office/drawing/2014/main" id="{71CFE9EA-50D8-4028-BE42-DC2D813BEA66}"/>
+              </a:ext>
+              <a:ext uri="{C183D7F6-B498-43B3-948B-1728B52AA6E4}">
+                <adec:decorative xmlns:adec="http://schemas.microsoft.com/office/drawing/2017/decorative" val="1"/>
+              </a:ext>
+            </a:extLst>
+          </p:cNvPr>
+          <p:cNvSpPr>
+            <a:spLocks noGrp="1" noRot="1" noChangeAspect="1" noMove="1" noResize="1" noEditPoints="1" noAdjustHandles="1" noChangeArrowheads="1" noChangeShapeType="1" noTextEdit="1"/>
+          </p:cNvSpPr>
+          <p:nvPr>
+            <p:extLst>
+              <p:ext uri="{386F3935-93C4-4BCD-93E2-E3B085C9AB24}">
+                <p16:designElem xmlns:p16="http://schemas.microsoft.com/office/powerpoint/2015/main" val="1"/>
+              </p:ext>
+            </p:extLst>
+          </p:nvPr>
+        </p:nvSpPr>
+        <p:spPr bwMode="ltGray">
+          <a:xfrm>
+            <a:off x="321564" y="251674"/>
+            <a:ext cx="11548872" cy="1645920"/>
+          </a:xfrm>
+          <a:prstGeom prst="rect">
+            <a:avLst/>
+          </a:prstGeom>
+          <a:solidFill>
+            <a:schemeClr val="tx1">
+              <a:lumMod val="75000"/>
+              <a:lumOff val="25000"/>
+            </a:schemeClr>
+          </a:solidFill>
+          <a:ln w="127000" cap="sq" cmpd="thinThick">
+            <a:noFill/>
+          </a:ln>
+        </p:spPr>
+        <p:style>
+          <a:lnRef idx="2">
+            <a:schemeClr val="accent1">
+              <a:shade val="50000"/>
+            </a:schemeClr>
+          </a:lnRef>
+          <a:fillRef idx="1">
+            <a:schemeClr val="accent1"/>
+          </a:fillRef>
+          <a:effectRef idx="0">
+            <a:schemeClr val="accent1"/>
+          </a:effectRef>
+          <a:fontRef idx="minor">
+            <a:schemeClr val="lt1"/>
+          </a:fontRef>
+        </p:style>
+        <p:txBody>
+          <a:bodyPr rtlCol="0" anchor="ctr"/>
+          <a:lstStyle/>
+          <a:p>
+            <a:pPr marL="0" marR="0" lvl="0" indent="0" algn="ctr" defTabSz="914400" rtl="0" eaLnBrk="1" fontAlgn="auto" latinLnBrk="0" hangingPunct="1">
+              <a:lnSpc>
+                <a:spcPct val="100000"/>
+              </a:lnSpc>
+              <a:spcBef>
+                <a:spcPts val="0"/>
+              </a:spcBef>
+              <a:spcAft>
+                <a:spcPts val="0"/>
+              </a:spcAft>
+              <a:buClrTx/>
+              <a:buSzTx/>
+              <a:buFontTx/>
+              <a:buNone/>
+              <a:tabLst/>
+              <a:defRPr/>
+            </a:pPr>
+            <a:endParaRPr kumimoji="0" lang="en-US" sz="1800" b="0" i="0" u="none" strike="noStrike" kern="1200" cap="none" spc="0" normalizeH="0" baseline="0" noProof="0">
+              <a:ln>
+                <a:noFill/>
+              </a:ln>
+              <a:solidFill>
+                <a:prstClr val="white"/>
+              </a:solidFill>
+              <a:effectLst/>
+              <a:uLnTx/>
+              <a:uFillTx/>
+              <a:latin typeface="Calibri" panose="020F0502020204030204"/>
+              <a:ea typeface="+mn-ea"/>
+              <a:cs typeface="+mn-cs"/>
+            </a:endParaRPr>
+          </a:p>
+        </p:txBody>
+      </p:sp>
+      <p:sp>
+        <p:nvSpPr>
+          <p:cNvPr id="2" name="Title 1">
+            <a:extLst>
+              <a:ext uri="{FF2B5EF4-FFF2-40B4-BE49-F238E27FC236}">
+                <a16:creationId xmlns:a16="http://schemas.microsoft.com/office/drawing/2014/main" id="{C3713020-E0E4-D814-355A-B6CBC6481E9A}"/>
+              </a:ext>
+            </a:extLst>
+          </p:cNvPr>
+          <p:cNvSpPr>
+            <a:spLocks noGrp="1"/>
+          </p:cNvSpPr>
+          <p:nvPr>
+            <p:ph type="title"/>
+          </p:nvPr>
+        </p:nvSpPr>
+        <p:spPr>
+          <a:xfrm>
+            <a:off x="4379976" y="452842"/>
+            <a:ext cx="6976872" cy="1261872"/>
+          </a:xfrm>
+        </p:spPr>
+        <p:txBody>
+          <a:bodyPr vert="horz" lIns="91440" tIns="45720" rIns="91440" bIns="45720" rtlCol="0" anchor="ctr">
+            <a:normAutofit/>
+          </a:bodyPr>
+          <a:lstStyle/>
+          <a:p>
+            <a:r>
+              <a:rPr lang="en-US" sz="4800" kern="1200">
+                <a:solidFill>
+                  <a:schemeClr val="bg1"/>
+                </a:solidFill>
+                <a:latin typeface="+mj-lt"/>
+                <a:ea typeface="+mj-ea"/>
+                <a:cs typeface="+mj-cs"/>
+              </a:rPr>
+              <a:t>Shapes Data Frame</a:t>
+            </a:r>
+          </a:p>
+        </p:txBody>
+      </p:sp>
+      <p:cxnSp>
+        <p:nvCxnSpPr>
+          <p:cNvPr id="15" name="Straight Connector 10">
+            <a:extLst>
+              <a:ext uri="{FF2B5EF4-FFF2-40B4-BE49-F238E27FC236}">
+                <a16:creationId xmlns:a16="http://schemas.microsoft.com/office/drawing/2014/main" id="{9A218DD6-0CC7-465B-B80F-747F97B4021F}"/>
+              </a:ext>
+              <a:ext uri="{C183D7F6-B498-43B3-948B-1728B52AA6E4}">
+                <adec:decorative xmlns:adec="http://schemas.microsoft.com/office/drawing/2017/decorative" val="1"/>
+              </a:ext>
+            </a:extLst>
+          </p:cNvPr>
+          <p:cNvCxnSpPr>
+            <a:cxnSpLocks noGrp="1" noRot="1" noChangeAspect="1" noMove="1" noResize="1" noEditPoints="1" noAdjustHandles="1" noChangeArrowheads="1" noChangeShapeType="1"/>
+          </p:cNvCxnSpPr>
+          <p:nvPr>
+            <p:extLst>
+              <p:ext uri="{386F3935-93C4-4BCD-93E2-E3B085C9AB24}">
+                <p16:designElem xmlns:p16="http://schemas.microsoft.com/office/powerpoint/2015/main" val="1"/>
+              </p:ext>
+            </p:extLst>
+          </p:nvPr>
+        </p:nvCxnSpPr>
+        <p:spPr>
+          <a:xfrm flipV="1">
+            <a:off x="4059936" y="623740"/>
+            <a:ext cx="0" cy="914400"/>
+          </a:xfrm>
+          <a:prstGeom prst="line">
+            <a:avLst/>
+          </a:prstGeom>
+          <a:ln w="19050">
+            <a:solidFill>
+              <a:schemeClr val="bg1">
+                <a:alpha val="80000"/>
+              </a:schemeClr>
+            </a:solidFill>
+          </a:ln>
+        </p:spPr>
+        <p:style>
+          <a:lnRef idx="1">
+            <a:schemeClr val="accent1"/>
+          </a:lnRef>
+          <a:fillRef idx="0">
+            <a:schemeClr val="accent1"/>
+          </a:fillRef>
+          <a:effectRef idx="0">
+            <a:schemeClr val="accent1"/>
+          </a:effectRef>
+          <a:fontRef idx="minor">
+            <a:schemeClr val="tx1"/>
+          </a:fontRef>
+        </p:style>
+      </p:cxnSp>
+      <p:pic>
+        <p:nvPicPr>
+          <p:cNvPr id="4" name="Picture 4">
+            <a:extLst>
+              <a:ext uri="{FF2B5EF4-FFF2-40B4-BE49-F238E27FC236}">
+                <a16:creationId xmlns:a16="http://schemas.microsoft.com/office/drawing/2014/main" id="{9E69FBAE-3975-9C4B-AED5-3DC1B45AB24D}"/>
+              </a:ext>
+            </a:extLst>
+          </p:cNvPr>
+          <p:cNvPicPr>
+            <a:picLocks noGrp="1" noChangeAspect="1"/>
+          </p:cNvPicPr>
+          <p:nvPr>
+            <p:ph idx="1"/>
+          </p:nvPr>
+        </p:nvPicPr>
+        <p:blipFill>
+          <a:blip r:embed="rId2"/>
+          <a:stretch>
+            <a:fillRect/>
+          </a:stretch>
+        </p:blipFill>
+        <p:spPr>
+          <a:xfrm>
+            <a:off x="2847939" y="2150036"/>
+            <a:ext cx="6496122" cy="4206240"/>
+          </a:xfrm>
+          <a:prstGeom prst="rect">
+            <a:avLst/>
+          </a:prstGeom>
+        </p:spPr>
+      </p:pic>
+    </p:spTree>
+    <p:extLst>
+      <p:ext uri="{BB962C8B-B14F-4D97-AF65-F5344CB8AC3E}">
+        <p14:creationId xmlns:p14="http://schemas.microsoft.com/office/powerpoint/2010/main" val="339179468"/>
+      </p:ext>
+    </p:extLst>
+  </p:cSld>
+  <p:clrMapOvr>
+    <a:masterClrMapping/>
+  </p:clrMapOvr>
+</p:sld>
+</file>
+
 <file path=ppt/theme/theme1.xml><?xml version="1.0" encoding="utf-8"?>
 <a:theme xmlns:a="http://schemas.openxmlformats.org/drawingml/2006/main" name="office theme">
   <a:themeElements>
